--- a/slides/page_replacement.pptx
+++ b/slides/page_replacement.pptx
@@ -332,6 +332,11 @@
       </a:defRPr>
     </a:lvl9pPr>
   </p:defaultTextStyle>
+  <p:extLst>
+    <p:ext uri="{EFAFB233-063F-42B5-8137-9DF3F51BA10A}">
+      <p15:sldGuideLst xmlns:p15="http://schemas.microsoft.com/office/powerpoint/2012/main"/>
+    </p:ext>
+  </p:extLst>
 </p:presentation>
 </file>
 
@@ -5988,11 +5993,7 @@
             </a:pPr>
             <a:r>
               <a:rPr dirty="0"/>
-              <a:t>Need for a background process, </a:t>
-            </a:r>
-            <a:r>
-              <a:rPr dirty="0"/>
-              <a:t>paging daemon</a:t>
+              <a:t>Need for a background process, paging daemon</a:t>
             </a:r>
           </a:p>
           <a:p>
@@ -6070,8 +6071,29 @@
             </a:pPr>
             <a:r>
               <a:rPr dirty="0"/>
-              <a:t>When memory usage is above “High” watermark (high memory pressure)</a:t>
-            </a:r>
+              <a:t>When memory usage is above “High” </a:t>
+            </a:r>
+            <a:r>
+              <a:rPr dirty="0" smtClean="0"/>
+              <a:t>watermark</a:t>
+            </a:r>
+            <a:r>
+              <a:rPr lang="en-US" dirty="0" smtClean="0"/>
+              <a:t>, say 90%, indicating</a:t>
+            </a:r>
+            <a:r>
+              <a:rPr dirty="0" smtClean="0"/>
+              <a:t> high </a:t>
+            </a:r>
+            <a:r>
+              <a:rPr dirty="0"/>
+              <a:t>memory </a:t>
+            </a:r>
+            <a:r>
+              <a:rPr dirty="0" smtClean="0"/>
+              <a:t>pressure</a:t>
+            </a:r>
+            <a:endParaRPr dirty="0"/>
           </a:p>
           <a:p>
             <a:pPr marL="453199" lvl="1" indent="-174307" defTabSz="557784">
@@ -6082,8 +6104,17 @@
             </a:pPr>
             <a:r>
               <a:rPr dirty="0"/>
-              <a:t>Start evicting pages till memory usage falls below “Low” watermark</a:t>
-            </a:r>
+              <a:t>Start evicting pages till memory usage falls below “Low” </a:t>
+            </a:r>
+            <a:r>
+              <a:rPr dirty="0" smtClean="0"/>
+              <a:t>watermark</a:t>
+            </a:r>
+            <a:r>
+              <a:rPr lang="en-US" dirty="0" smtClean="0"/>
+              <a:t>, say 80%</a:t>
+            </a:r>
+            <a:endParaRPr dirty="0"/>
           </a:p>
           <a:p>
             <a:pPr marL="453199" lvl="1" indent="-174307" defTabSz="557784">
@@ -6127,7 +6158,27 @@
             </a:pPr>
             <a:r>
               <a:rPr dirty="0"/>
-              <a:t>So that the system doesn’t bounce rapidly around a single threshold.</a:t>
+              <a:t>So that the system </a:t>
+            </a:r>
+            <a:r>
+              <a:rPr lang="en-US" dirty="0" smtClean="0"/>
+              <a:t>state </a:t>
+            </a:r>
+            <a:r>
+              <a:rPr dirty="0" smtClean="0"/>
+              <a:t>doesn’t </a:t>
+            </a:r>
+            <a:r>
+              <a:rPr lang="en-US" dirty="0" smtClean="0"/>
+              <a:t>fluctuate </a:t>
+            </a:r>
+            <a:r>
+              <a:rPr dirty="0" smtClean="0"/>
+              <a:t>rapidly </a:t>
+            </a:r>
+            <a:r>
+              <a:rPr dirty="0"/>
+              <a:t>around a single threshold.</a:t>
             </a:r>
           </a:p>
         </p:txBody>
@@ -6790,27 +6841,9 @@
           </a:lstStyle>
           <a:p>
             <a:r>
+              <a:rPr dirty="0"/>
               <a:t>Shared Memory between multiple processes</a:t>
             </a:r>
-          </a:p>
-        </p:txBody>
-      </p:sp>
-      <p:sp>
-        <p:nvSpPr>
-          <p:cNvPr id="2" name="Text Placeholder 1"/>
-          <p:cNvSpPr>
-            <a:spLocks noGrp="1"/>
-          </p:cNvSpPr>
-          <p:nvPr>
-            <p:ph type="body" idx="1"/>
-          </p:nvPr>
-        </p:nvSpPr>
-        <p:spPr/>
-        <p:txBody>
-          <a:bodyPr/>
-          <a:lstStyle/>
-          <a:p>
-            <a:endParaRPr lang="en-US"/>
           </a:p>
         </p:txBody>
       </p:sp>
@@ -6822,7 +6855,7 @@
         </p:nvSpPr>
         <p:spPr>
           <a:xfrm>
-            <a:off x="4953000" y="5181600"/>
+            <a:off x="4953000" y="4135120"/>
             <a:ext cx="1447800" cy="533400"/>
           </a:xfrm>
           <a:prstGeom prst="rect">
@@ -6863,7 +6896,7 @@
         </p:nvSpPr>
         <p:spPr>
           <a:xfrm>
-            <a:off x="3505200" y="5181600"/>
+            <a:off x="3505200" y="4135120"/>
             <a:ext cx="1447800" cy="533400"/>
           </a:xfrm>
           <a:prstGeom prst="rect">
@@ -6899,7 +6932,7 @@
         </p:nvSpPr>
         <p:spPr>
           <a:xfrm>
-            <a:off x="6400800" y="5181600"/>
+            <a:off x="6400800" y="4135120"/>
             <a:ext cx="1447800" cy="533400"/>
           </a:xfrm>
           <a:prstGeom prst="rect">
@@ -6935,7 +6968,7 @@
         </p:nvSpPr>
         <p:spPr>
           <a:xfrm>
-            <a:off x="3048000" y="3352800"/>
+            <a:off x="3048000" y="2306320"/>
             <a:ext cx="1447800" cy="533400"/>
           </a:xfrm>
           <a:prstGeom prst="rect">
@@ -6976,7 +7009,7 @@
         </p:nvSpPr>
         <p:spPr>
           <a:xfrm>
-            <a:off x="2057400" y="3352800"/>
+            <a:off x="2057400" y="2306320"/>
             <a:ext cx="990600" cy="533400"/>
           </a:xfrm>
           <a:prstGeom prst="rect">
@@ -7012,7 +7045,7 @@
         </p:nvSpPr>
         <p:spPr>
           <a:xfrm>
-            <a:off x="4495800" y="3352800"/>
+            <a:off x="4495800" y="2306320"/>
             <a:ext cx="609600" cy="533400"/>
           </a:xfrm>
           <a:prstGeom prst="rect">
@@ -7048,7 +7081,7 @@
         </p:nvSpPr>
         <p:spPr>
           <a:xfrm>
-            <a:off x="7315200" y="3352800"/>
+            <a:off x="7315200" y="2306320"/>
             <a:ext cx="1447800" cy="533400"/>
           </a:xfrm>
           <a:prstGeom prst="rect">
@@ -7089,7 +7122,7 @@
         </p:nvSpPr>
         <p:spPr>
           <a:xfrm>
-            <a:off x="6400800" y="3352800"/>
+            <a:off x="6400800" y="2306320"/>
             <a:ext cx="914400" cy="533400"/>
           </a:xfrm>
           <a:prstGeom prst="rect">
@@ -7125,7 +7158,7 @@
         </p:nvSpPr>
         <p:spPr>
           <a:xfrm>
-            <a:off x="8763000" y="3352800"/>
+            <a:off x="8763000" y="2306320"/>
             <a:ext cx="1447800" cy="533400"/>
           </a:xfrm>
           <a:prstGeom prst="rect">
@@ -7161,7 +7194,7 @@
         </p:nvSpPr>
         <p:spPr>
           <a:xfrm>
-            <a:off x="6858000" y="2819401"/>
+            <a:off x="6858000" y="1772921"/>
             <a:ext cx="3344824" cy="461665"/>
           </a:xfrm>
           <a:prstGeom prst="rect">
@@ -7205,7 +7238,7 @@
         </p:nvSpPr>
         <p:spPr>
           <a:xfrm>
-            <a:off x="1981200" y="2819401"/>
+            <a:off x="1981200" y="1772921"/>
             <a:ext cx="3344824" cy="461665"/>
           </a:xfrm>
           <a:prstGeom prst="rect">
@@ -7249,7 +7282,7 @@
         </p:nvSpPr>
         <p:spPr>
           <a:xfrm>
-            <a:off x="4276726" y="5791201"/>
+            <a:off x="4276726" y="4744721"/>
             <a:ext cx="2437525" cy="461665"/>
           </a:xfrm>
           <a:prstGeom prst="rect">
@@ -7293,7 +7326,7 @@
         </p:nvSpPr>
         <p:spPr>
           <a:xfrm>
-            <a:off x="3047999" y="3886200"/>
+            <a:off x="3047999" y="2839720"/>
             <a:ext cx="1905002" cy="1295400"/>
           </a:xfrm>
           <a:prstGeom prst="line">
@@ -7329,7 +7362,7 @@
         </p:nvSpPr>
         <p:spPr>
           <a:xfrm>
-            <a:off x="4495799" y="3886200"/>
+            <a:off x="4495799" y="2839720"/>
             <a:ext cx="1905002" cy="1295400"/>
           </a:xfrm>
           <a:prstGeom prst="line">
@@ -7365,7 +7398,7 @@
         </p:nvSpPr>
         <p:spPr>
           <a:xfrm flipH="1">
-            <a:off x="4953001" y="3886200"/>
+            <a:off x="4953001" y="2839720"/>
             <a:ext cx="2362201" cy="1295400"/>
           </a:xfrm>
           <a:prstGeom prst="line">
@@ -7401,7 +7434,7 @@
         </p:nvSpPr>
         <p:spPr>
           <a:xfrm flipH="1">
-            <a:off x="6400801" y="3886200"/>
+            <a:off x="6400801" y="2839720"/>
             <a:ext cx="2362201" cy="1295400"/>
           </a:xfrm>
           <a:prstGeom prst="line">
@@ -7426,6 +7459,373 @@
               </a:defRPr>
             </a:pPr>
             <a:endParaRPr sz="1200"/>
+          </a:p>
+        </p:txBody>
+      </p:sp>
+      <p:sp>
+        <p:nvSpPr>
+          <p:cNvPr id="4" name="Rectangle 3"/>
+          <p:cNvSpPr/>
+          <p:nvPr/>
+        </p:nvSpPr>
+        <p:spPr>
+          <a:xfrm>
+            <a:off x="8888791" y="4744721"/>
+            <a:ext cx="3191899" cy="461665"/>
+          </a:xfrm>
+          <a:prstGeom prst="rect">
+            <a:avLst/>
+          </a:prstGeom>
+        </p:spPr>
+        <p:txBody>
+          <a:bodyPr wrap="none">
+            <a:spAutoFit/>
+          </a:bodyPr>
+          <a:lstStyle/>
+          <a:p>
+            <a:r>
+              <a:rPr lang="en-US" dirty="0" smtClean="0">
+                <a:latin typeface="Times New Roman" charset="0"/>
+                <a:ea typeface="Times New Roman" charset="0"/>
+                <a:cs typeface="Times New Roman" charset="0"/>
+              </a:rPr>
+              <a:t>PTE = Page </a:t>
+            </a:r>
+            <a:r>
+              <a:rPr lang="en-US" dirty="0">
+                <a:latin typeface="Times New Roman" charset="0"/>
+                <a:ea typeface="Times New Roman" charset="0"/>
+                <a:cs typeface="Times New Roman" charset="0"/>
+              </a:rPr>
+              <a:t>Table Entry</a:t>
+            </a:r>
+            <a:endParaRPr lang="en-US" dirty="0">
+              <a:latin typeface="Times New Roman" charset="0"/>
+              <a:ea typeface="Times New Roman" charset="0"/>
+              <a:cs typeface="Times New Roman" charset="0"/>
+            </a:endParaRPr>
+          </a:p>
+        </p:txBody>
+      </p:sp>
+      <p:sp>
+        <p:nvSpPr>
+          <p:cNvPr id="5" name="TextBox 4"/>
+          <p:cNvSpPr txBox="1"/>
+          <p:nvPr/>
+        </p:nvSpPr>
+        <p:spPr>
+          <a:xfrm>
+            <a:off x="4229100" y="3352800"/>
+            <a:ext cx="792844" cy="461663"/>
+          </a:xfrm>
+          <a:prstGeom prst="rect">
+            <a:avLst/>
+          </a:prstGeom>
+          <a:noFill/>
+          <a:ln w="12700" cap="flat">
+            <a:noFill/>
+            <a:miter lim="400000"/>
+          </a:ln>
+          <a:effectLst/>
+          <a:sp3d/>
+        </p:spPr>
+        <p:style>
+          <a:lnRef idx="0">
+            <a:scrgbClr r="0" g="0" b="0"/>
+          </a:lnRef>
+          <a:fillRef idx="0">
+            <a:scrgbClr r="0" g="0" b="0"/>
+          </a:fillRef>
+          <a:effectRef idx="0">
+            <a:scrgbClr r="0" g="0" b="0"/>
+          </a:effectRef>
+          <a:fontRef idx="none"/>
+        </p:style>
+        <p:txBody>
+          <a:bodyPr rot="0" spcFirstLastPara="1" vertOverflow="overflow" horzOverflow="overflow" vert="horz" wrap="none" lIns="45719" tIns="45719" rIns="45719" bIns="45719" numCol="1" spcCol="38100" rtlCol="0" anchor="t">
+            <a:spAutoFit/>
+          </a:bodyPr>
+          <a:lstStyle/>
+          <a:p>
+            <a:pPr marL="0" marR="0" indent="0" algn="l" defTabSz="914400" rtl="0" fontAlgn="auto" latinLnBrk="0" hangingPunct="0">
+              <a:lnSpc>
+                <a:spcPct val="100000"/>
+              </a:lnSpc>
+              <a:spcBef>
+                <a:spcPts val="0"/>
+              </a:spcBef>
+              <a:spcAft>
+                <a:spcPts val="0"/>
+              </a:spcAft>
+              <a:buClrTx/>
+              <a:buSzTx/>
+              <a:buFontTx/>
+              <a:buNone/>
+              <a:tabLst/>
+            </a:pPr>
+            <a:r>
+              <a:rPr kumimoji="0" lang="en-US" sz="2400" b="0" i="0" u="none" strike="noStrike" cap="none" spc="0" normalizeH="0" baseline="0" dirty="0" smtClean="0">
+                <a:ln>
+                  <a:noFill/>
+                </a:ln>
+                <a:solidFill>
+                  <a:srgbClr val="000000"/>
+                </a:solidFill>
+                <a:effectLst/>
+                <a:uFillTx/>
+                <a:latin typeface="Times New Roman" charset="0"/>
+                <a:ea typeface="Times New Roman" charset="0"/>
+                <a:cs typeface="Times New Roman" charset="0"/>
+                <a:sym typeface="Comic Sans MS"/>
+              </a:rPr>
+              <a:t>PTE1</a:t>
+            </a:r>
+            <a:endParaRPr kumimoji="0" lang="en-US" sz="2400" b="0" i="0" u="none" strike="noStrike" cap="none" spc="0" normalizeH="0" baseline="0" dirty="0">
+              <a:ln>
+                <a:noFill/>
+              </a:ln>
+              <a:solidFill>
+                <a:srgbClr val="000000"/>
+              </a:solidFill>
+              <a:effectLst/>
+              <a:uFillTx/>
+              <a:latin typeface="Times New Roman" charset="0"/>
+              <a:ea typeface="Times New Roman" charset="0"/>
+              <a:cs typeface="Times New Roman" charset="0"/>
+              <a:sym typeface="Comic Sans MS"/>
+            </a:endParaRPr>
+          </a:p>
+        </p:txBody>
+      </p:sp>
+      <p:sp>
+        <p:nvSpPr>
+          <p:cNvPr id="23" name="TextBox 22"/>
+          <p:cNvSpPr txBox="1"/>
+          <p:nvPr/>
+        </p:nvSpPr>
+        <p:spPr>
+          <a:xfrm>
+            <a:off x="6416038" y="3299154"/>
+            <a:ext cx="792844" cy="461663"/>
+          </a:xfrm>
+          <a:prstGeom prst="rect">
+            <a:avLst/>
+          </a:prstGeom>
+          <a:noFill/>
+          <a:ln w="12700" cap="flat">
+            <a:noFill/>
+            <a:miter lim="400000"/>
+          </a:ln>
+          <a:effectLst/>
+          <a:sp3d/>
+        </p:spPr>
+        <p:style>
+          <a:lnRef idx="0">
+            <a:scrgbClr r="0" g="0" b="0"/>
+          </a:lnRef>
+          <a:fillRef idx="0">
+            <a:scrgbClr r="0" g="0" b="0"/>
+          </a:fillRef>
+          <a:effectRef idx="0">
+            <a:scrgbClr r="0" g="0" b="0"/>
+          </a:effectRef>
+          <a:fontRef idx="none"/>
+        </p:style>
+        <p:txBody>
+          <a:bodyPr rot="0" spcFirstLastPara="1" vertOverflow="overflow" horzOverflow="overflow" vert="horz" wrap="none" lIns="45719" tIns="45719" rIns="45719" bIns="45719" numCol="1" spcCol="38100" rtlCol="0" anchor="t">
+            <a:spAutoFit/>
+          </a:bodyPr>
+          <a:lstStyle/>
+          <a:p>
+            <a:pPr marL="0" marR="0" indent="0" algn="l" defTabSz="914400" rtl="0" fontAlgn="auto" latinLnBrk="0" hangingPunct="0">
+              <a:lnSpc>
+                <a:spcPct val="100000"/>
+              </a:lnSpc>
+              <a:spcBef>
+                <a:spcPts val="0"/>
+              </a:spcBef>
+              <a:spcAft>
+                <a:spcPts val="0"/>
+              </a:spcAft>
+              <a:buClrTx/>
+              <a:buSzTx/>
+              <a:buFontTx/>
+              <a:buNone/>
+              <a:tabLst/>
+            </a:pPr>
+            <a:r>
+              <a:rPr kumimoji="0" lang="en-US" sz="2400" b="0" i="0" u="none" strike="noStrike" cap="none" spc="0" normalizeH="0" baseline="0" dirty="0" smtClean="0">
+                <a:ln>
+                  <a:noFill/>
+                </a:ln>
+                <a:solidFill>
+                  <a:srgbClr val="000000"/>
+                </a:solidFill>
+                <a:effectLst/>
+                <a:uFillTx/>
+                <a:latin typeface="Times New Roman" charset="0"/>
+                <a:ea typeface="Times New Roman" charset="0"/>
+                <a:cs typeface="Times New Roman" charset="0"/>
+                <a:sym typeface="Comic Sans MS"/>
+              </a:rPr>
+              <a:t>PTE2</a:t>
+            </a:r>
+            <a:endParaRPr kumimoji="0" lang="en-US" sz="2400" b="0" i="0" u="none" strike="noStrike" cap="none" spc="0" normalizeH="0" baseline="0" dirty="0">
+              <a:ln>
+                <a:noFill/>
+              </a:ln>
+              <a:solidFill>
+                <a:srgbClr val="000000"/>
+              </a:solidFill>
+              <a:effectLst/>
+              <a:uFillTx/>
+              <a:latin typeface="Times New Roman" charset="0"/>
+              <a:ea typeface="Times New Roman" charset="0"/>
+              <a:cs typeface="Times New Roman" charset="0"/>
+              <a:sym typeface="Comic Sans MS"/>
+            </a:endParaRPr>
+          </a:p>
+        </p:txBody>
+      </p:sp>
+      <p:sp>
+        <p:nvSpPr>
+          <p:cNvPr id="6" name="TextBox 5"/>
+          <p:cNvSpPr txBox="1"/>
+          <p:nvPr/>
+        </p:nvSpPr>
+        <p:spPr>
+          <a:xfrm>
+            <a:off x="1391920" y="5740400"/>
+            <a:ext cx="8811064" cy="830995"/>
+          </a:xfrm>
+          <a:prstGeom prst="rect">
+            <a:avLst/>
+          </a:prstGeom>
+          <a:noFill/>
+          <a:ln w="12700" cap="flat">
+            <a:noFill/>
+            <a:miter lim="400000"/>
+          </a:ln>
+          <a:effectLst/>
+          <a:sp3d/>
+        </p:spPr>
+        <p:style>
+          <a:lnRef idx="0">
+            <a:scrgbClr r="0" g="0" b="0"/>
+          </a:lnRef>
+          <a:fillRef idx="0">
+            <a:scrgbClr r="0" g="0" b="0"/>
+          </a:fillRef>
+          <a:effectRef idx="0">
+            <a:scrgbClr r="0" g="0" b="0"/>
+          </a:effectRef>
+          <a:fontRef idx="none"/>
+        </p:style>
+        <p:txBody>
+          <a:bodyPr rot="0" spcFirstLastPara="1" vertOverflow="overflow" horzOverflow="overflow" vert="horz" wrap="none" lIns="45719" tIns="45719" rIns="45719" bIns="45719" numCol="1" spcCol="38100" rtlCol="0" anchor="t">
+            <a:spAutoFit/>
+          </a:bodyPr>
+          <a:lstStyle/>
+          <a:p>
+            <a:pPr marL="0" marR="0" indent="0" algn="l" defTabSz="914400" rtl="0" fontAlgn="auto" latinLnBrk="0" hangingPunct="0">
+              <a:lnSpc>
+                <a:spcPct val="100000"/>
+              </a:lnSpc>
+              <a:spcBef>
+                <a:spcPts val="0"/>
+              </a:spcBef>
+              <a:spcAft>
+                <a:spcPts val="0"/>
+              </a:spcAft>
+              <a:buClrTx/>
+              <a:buSzTx/>
+              <a:buFontTx/>
+              <a:buNone/>
+              <a:tabLst/>
+            </a:pPr>
+            <a:r>
+              <a:rPr kumimoji="0" lang="en-US" sz="2400" b="0" i="0" u="none" strike="noStrike" cap="none" spc="0" normalizeH="0" baseline="0" dirty="0" smtClean="0">
+                <a:ln>
+                  <a:noFill/>
+                </a:ln>
+                <a:solidFill>
+                  <a:srgbClr val="000000"/>
+                </a:solidFill>
+                <a:effectLst/>
+                <a:uFillTx/>
+                <a:latin typeface="Times New Roman" charset="0"/>
+                <a:ea typeface="Times New Roman" charset="0"/>
+                <a:cs typeface="Times New Roman" charset="0"/>
+                <a:sym typeface="Comic Sans MS"/>
+              </a:rPr>
+              <a:t>PTEs</a:t>
+            </a:r>
+            <a:r>
+              <a:rPr kumimoji="0" lang="en-US" sz="2400" b="0" i="0" u="none" strike="noStrike" cap="none" spc="0" normalizeH="0" dirty="0" smtClean="0">
+                <a:ln>
+                  <a:noFill/>
+                </a:ln>
+                <a:solidFill>
+                  <a:srgbClr val="000000"/>
+                </a:solidFill>
+                <a:effectLst/>
+                <a:uFillTx/>
+                <a:latin typeface="Times New Roman" charset="0"/>
+                <a:ea typeface="Times New Roman" charset="0"/>
+                <a:cs typeface="Times New Roman" charset="0"/>
+                <a:sym typeface="Comic Sans MS"/>
+              </a:rPr>
+              <a:t> for virtual pages in different processes map to common physical </a:t>
+            </a:r>
+          </a:p>
+          <a:p>
+            <a:pPr marL="0" marR="0" indent="0" algn="l" defTabSz="914400" rtl="0" fontAlgn="auto" latinLnBrk="0" hangingPunct="0">
+              <a:lnSpc>
+                <a:spcPct val="100000"/>
+              </a:lnSpc>
+              <a:spcBef>
+                <a:spcPts val="0"/>
+              </a:spcBef>
+              <a:spcAft>
+                <a:spcPts val="0"/>
+              </a:spcAft>
+              <a:buClrTx/>
+              <a:buSzTx/>
+              <a:buFontTx/>
+              <a:buNone/>
+              <a:tabLst/>
+            </a:pPr>
+            <a:r>
+              <a:rPr kumimoji="0" lang="en-US" sz="2400" b="0" i="0" u="none" strike="noStrike" cap="none" spc="0" normalizeH="0" dirty="0" smtClean="0">
+                <a:ln>
+                  <a:noFill/>
+                </a:ln>
+                <a:solidFill>
+                  <a:srgbClr val="000000"/>
+                </a:solidFill>
+                <a:effectLst/>
+                <a:uFillTx/>
+                <a:latin typeface="Times New Roman" charset="0"/>
+                <a:ea typeface="Times New Roman" charset="0"/>
+                <a:cs typeface="Times New Roman" charset="0"/>
+                <a:sym typeface="Comic Sans MS"/>
+              </a:rPr>
+              <a:t>page frames in DRAM.</a:t>
+            </a:r>
+            <a:endParaRPr kumimoji="0" lang="en-US" sz="2400" b="0" i="0" u="none" strike="noStrike" cap="none" spc="0" normalizeH="0" baseline="0" dirty="0">
+              <a:ln>
+                <a:noFill/>
+              </a:ln>
+              <a:solidFill>
+                <a:srgbClr val="000000"/>
+              </a:solidFill>
+              <a:effectLst/>
+              <a:uFillTx/>
+              <a:latin typeface="Times New Roman" charset="0"/>
+              <a:ea typeface="Times New Roman" charset="0"/>
+              <a:cs typeface="Times New Roman" charset="0"/>
+              <a:sym typeface="Comic Sans MS"/>
+            </a:endParaRPr>
           </a:p>
         </p:txBody>
       </p:sp>
@@ -8309,6 +8709,7 @@
               <a:buChar char="●"/>
             </a:pPr>
             <a:r>
+              <a:rPr dirty="0"/>
               <a:t>Normally, files are accessed with system calls</a:t>
             </a:r>
           </a:p>
@@ -8321,6 +8722,7 @@
               <a:defRPr sz="2700"/>
             </a:pPr>
             <a:r>
+              <a:rPr dirty="0"/>
               <a:t>Open, read, write, close</a:t>
             </a:r>
           </a:p>
@@ -8329,7 +8731,23 @@
               <a:buChar char="●"/>
             </a:pPr>
             <a:r>
-              <a:t>Memory mapping allows a program to access a file with load/store operations</a:t>
+              <a:rPr/>
+              <a:t>Memory </a:t>
+            </a:r>
+            <a:r>
+              <a:rPr smtClean="0"/>
+              <a:t>mapping</a:t>
+            </a:r>
+            <a:r>
+              <a:rPr lang="en-US" smtClean="0"/>
+              <a:t> (using mmap)</a:t>
+            </a:r>
+            <a:r>
+              <a:rPr smtClean="0"/>
+              <a:t> </a:t>
+            </a:r>
+            <a:r>
+              <a:t>allows a program to access a file with load/store operations</a:t>
             </a:r>
           </a:p>
         </p:txBody>
